--- a/FI ppt/판매_구매_Process_정리.pptx
+++ b/FI ppt/판매_구매_Process_정리.pptx
@@ -107,6 +107,11 @@
       </a:defRPr>
     </a:lvl9pPr>
   </p:defaultTextStyle>
+  <p:extLst>
+    <p:ext uri="{EFAFB233-063F-42B5-8137-9DF3F51BA10A}">
+      <p15:sldGuideLst xmlns:p15="http://schemas.microsoft.com/office/powerpoint/2012/main"/>
+    </p:ext>
+  </p:extLst>
 </p:presentation>
 </file>
 
@@ -4234,7 +4239,7 @@
           <p:nvPr>
             <p:extLst>
               <p:ext uri="{D42A27DB-BD31-4B8C-83A1-F6EECF244321}">
-                <p14:modId xmlns:p14="http://schemas.microsoft.com/office/powerpoint/2010/main" val="93821651"/>
+                <p14:modId xmlns:p14="http://schemas.microsoft.com/office/powerpoint/2010/main" val="3883329933"/>
               </p:ext>
             </p:extLst>
           </p:nvPr>
@@ -4403,20 +4408,7 @@
                             </a:schemeClr>
                           </a:solidFill>
                         </a:rPr>
-                        <a:t>GR/IR</a:t>
-                      </a:r>
-                    </a:p>
-                    <a:p>
-                      <a:pPr algn="ctr" latinLnBrk="1"/>
-                      <a:r>
-                        <a:rPr lang="en-US" altLang="ko-KR" sz="2000" b="1" dirty="0" smtClean="0">
-                          <a:solidFill>
-                            <a:schemeClr val="tx2">
-                              <a:lumMod val="75000"/>
-                            </a:schemeClr>
-                          </a:solidFill>
-                        </a:rPr>
-                        <a:t>-</a:t>
+                        <a:t>GR/IR-</a:t>
                       </a:r>
                       <a:r>
                         <a:rPr lang="ko-KR" altLang="en-US" sz="2000" b="1" dirty="0" smtClean="0">
@@ -4426,7 +4418,7 @@
                             </a:schemeClr>
                           </a:solidFill>
                         </a:rPr>
-                        <a:t>외상매입금</a:t>
+                        <a:t>원자재</a:t>
                       </a:r>
                       <a:endParaRPr lang="ko-KR" altLang="en-US" sz="2000" b="1" dirty="0">
                         <a:solidFill>
